--- a/SEMESTER PROJECT-ESE.pptx
+++ b/SEMESTER PROJECT-ESE.pptx
@@ -6624,7 +6624,7 @@
         </p:nvSpPr>
         <p:spPr>
           <a:xfrm>
-            <a:off x="381300" y="685800"/>
+            <a:off x="381000" y="685800"/>
             <a:ext cx="6096000" cy="3429000"/>
           </a:xfrm>
           <a:custGeom>
@@ -24532,29 +24532,32 @@
       </p:sp>
       <p:pic>
         <p:nvPicPr>
-          <p:cNvPr id="250" name="Google Shape;250;p37"/>
-          <p:cNvPicPr preferRelativeResize="0"/>
+          <p:cNvPr id="3" name="Picture 2">
+            <a:extLst>
+              <a:ext uri="{FF2B5EF4-FFF2-40B4-BE49-F238E27FC236}">
+                <a16:creationId xmlns:a16="http://schemas.microsoft.com/office/drawing/2014/main" id="{6F2BCEDD-9707-8DC1-21BC-03B3EC765743}"/>
+              </a:ext>
+            </a:extLst>
+          </p:cNvPr>
+          <p:cNvPicPr>
+            <a:picLocks noChangeAspect="1"/>
+          </p:cNvPicPr>
           <p:nvPr/>
         </p:nvPicPr>
-        <p:blipFill rotWithShape="1">
-          <a:blip r:embed="rId4">
-            <a:alphaModFix/>
-          </a:blip>
-          <a:srcRect b="17641"/>
-          <a:stretch/>
+        <p:blipFill>
+          <a:blip r:embed="rId4"/>
+          <a:stretch>
+            <a:fillRect/>
+          </a:stretch>
         </p:blipFill>
         <p:spPr>
           <a:xfrm>
-            <a:off x="3148475" y="833825"/>
-            <a:ext cx="4555818" cy="3839562"/>
-          </a:xfrm>
-          <a:prstGeom prst="rect">
-            <a:avLst/>
-          </a:prstGeom>
-          <a:noFill/>
-          <a:ln>
-            <a:noFill/>
-          </a:ln>
+            <a:off x="777240" y="1242142"/>
+            <a:ext cx="4141786" cy="3686406"/>
+          </a:xfrm>
+          <a:prstGeom prst="rect">
+            <a:avLst/>
+          </a:prstGeom>
         </p:spPr>
       </p:pic>
     </p:spTree>
@@ -24716,29 +24719,32 @@
       </p:sp>
       <p:pic>
         <p:nvPicPr>
-          <p:cNvPr id="259" name="Google Shape;259;p38"/>
-          <p:cNvPicPr preferRelativeResize="0"/>
+          <p:cNvPr id="3" name="Picture 2">
+            <a:extLst>
+              <a:ext uri="{FF2B5EF4-FFF2-40B4-BE49-F238E27FC236}">
+                <a16:creationId xmlns:a16="http://schemas.microsoft.com/office/drawing/2014/main" id="{2938823B-5AFE-D915-2104-0F88E2CBA1DA}"/>
+              </a:ext>
+            </a:extLst>
+          </p:cNvPr>
+          <p:cNvPicPr>
+            <a:picLocks noChangeAspect="1"/>
+          </p:cNvPicPr>
           <p:nvPr/>
         </p:nvPicPr>
-        <p:blipFill rotWithShape="1">
-          <a:blip r:embed="rId4">
-            <a:alphaModFix/>
-          </a:blip>
-          <a:srcRect b="54283"/>
-          <a:stretch/>
+        <p:blipFill>
+          <a:blip r:embed="rId4"/>
+          <a:stretch>
+            <a:fillRect/>
+          </a:stretch>
         </p:blipFill>
         <p:spPr>
           <a:xfrm>
-            <a:off x="3348600" y="297150"/>
-            <a:ext cx="3919475" cy="4423173"/>
-          </a:xfrm>
-          <a:prstGeom prst="rect">
-            <a:avLst/>
-          </a:prstGeom>
-          <a:noFill/>
-          <a:ln>
-            <a:noFill/>
-          </a:ln>
+            <a:off x="734656" y="1303052"/>
+            <a:ext cx="2687352" cy="3771613"/>
+          </a:xfrm>
+          <a:prstGeom prst="rect">
+            <a:avLst/>
+          </a:prstGeom>
         </p:spPr>
       </p:pic>
     </p:spTree>
@@ -35441,7 +35447,7 @@
         </p:spPr>
         <p:txBody>
           <a:bodyPr spcFirstLastPara="1" wrap="square" lIns="0" tIns="34275" rIns="0" bIns="34275" anchor="t" anchorCtr="0">
-            <a:normAutofit lnSpcReduction="10000"/>
+            <a:normAutofit/>
           </a:bodyPr>
           <a:lstStyle/>
           <a:p>
